--- a/SprintReview1.pptx
+++ b/SprintReview1.pptx
@@ -318,7 +318,7 @@
         <p:nvSpPr>
           <p:cNvPr id="14340" name="Rectangle 4"/>
           <p:cNvSpPr>
-            <a:spLocks noChangeArrowheads="1" noTextEdit="1"/>
+            <a:spLocks noGrp="1" noRot="1" noChangeAspect="1" noChangeArrowheads="1" noTextEdit="1"/>
           </p:cNvSpPr>
           <p:nvPr>
             <p:ph type="sldImg" idx="2"/>
@@ -4875,7 +4875,19 @@
           <a:p>
             <a:r>
               <a:rPr lang="en-US" dirty="0" smtClean="0"/>
-              <a:t>Each Feature passes the unit tests specified by Product Owner.</a:t>
+              <a:t>Each Feature passes </a:t>
+            </a:r>
+            <a:r>
+              <a:rPr lang="en-US" smtClean="0"/>
+              <a:t>the </a:t>
+            </a:r>
+            <a:r>
+              <a:rPr lang="en-US" smtClean="0"/>
+              <a:t>acceptance </a:t>
+            </a:r>
+            <a:r>
+              <a:rPr lang="en-US" dirty="0" smtClean="0"/>
+              <a:t>tests specified by Product Owner.</a:t>
             </a:r>
             <a:endParaRPr lang="en-US" dirty="0"/>
           </a:p>
@@ -4886,6 +4898,13 @@
   <p:clrMapOvr>
     <a:masterClrMapping/>
   </p:clrMapOvr>
+  <p:timing>
+    <p:tnLst>
+      <p:par>
+        <p:cTn xmlns:p14="http://schemas.microsoft.com/office/powerpoint/2010/main" id="1" dur="indefinite" restart="never" nodeType="tmRoot"/>
+      </p:par>
+    </p:tnLst>
+  </p:timing>
 </p:sld>
 </file>
 
@@ -4998,6 +5017,13 @@
   <p:clrMapOvr>
     <a:masterClrMapping/>
   </p:clrMapOvr>
+  <p:timing>
+    <p:tnLst>
+      <p:par>
+        <p:cTn xmlns:p14="http://schemas.microsoft.com/office/powerpoint/2010/main" id="1" dur="indefinite" restart="never" nodeType="tmRoot"/>
+      </p:par>
+    </p:tnLst>
+  </p:timing>
 </p:sld>
 </file>
 
